--- a/NMC final yr project/Complaint-Registration-Application-for-UrbanRural-Areas.pptx
+++ b/NMC final yr project/Complaint-Registration-Application-for-UrbanRural-Areas.pptx
@@ -5,14 +5,15 @@
     <p:sldMasterId id="2147483648" r:id="rId1"/>
   </p:sldMasterIdLst>
   <p:notesMasterIdLst>
-    <p:notesMasterId r:id="rId7"/>
+    <p:notesMasterId r:id="rId8"/>
   </p:notesMasterIdLst>
   <p:sldIdLst>
     <p:sldId id="256" r:id="rId2"/>
     <p:sldId id="257" r:id="rId3"/>
     <p:sldId id="258" r:id="rId4"/>
     <p:sldId id="259" r:id="rId5"/>
-    <p:sldId id="260" r:id="rId6"/>
+    <p:sldId id="261" r:id="rId6"/>
+    <p:sldId id="260" r:id="rId7"/>
   </p:sldIdLst>
   <p:sldSz cx="14630400" cy="8229600"/>
   <p:notesSz cx="8229600" cy="14630400"/>
@@ -642,7 +643,7 @@
           <a:p>
             <a:fld id="{F7021451-1387-4CA6-816F-3879F97B5CBC}" type="slidenum">
               <a:rPr lang="en-US"/>
-              <a:t>5</a:t>
+              <a:t>6</a:t>
             </a:fld>
             <a:endParaRPr lang="en-US"/>
           </a:p>
@@ -1094,7 +1095,7 @@
         </p:nvSpPr>
         <p:spPr>
           <a:xfrm>
-            <a:off x="6319598" y="4889213"/>
+            <a:off x="6319598" y="4988925"/>
             <a:ext cx="7477601" cy="1777008"/>
           </a:xfrm>
           <a:prstGeom prst="rect">
@@ -1122,7 +1123,7 @@
                 <a:ea typeface="Roboto" pitchFamily="34" charset="-122"/>
                 <a:cs typeface="Roboto" pitchFamily="34" charset="-120"/>
               </a:rPr>
-              <a:t>The Complaint Registration Application for Urban/Rural Areas is a revolutionary solution that utilizes automation technologies such as Machine Learning, Data Science, and Image Processing to address complaints related to waste material, streetlight issues, sewer line blockages, road repairs, and more in both urban and rural regions.</a:t>
+              <a:t>The Complaint Registration Application for Urban/Rural Areas is a revolutionary solution to address complaints related to waste material, streetlight issues, sewer line blockages, road repairs, and more in both urban and rural regions.</a:t>
             </a:r>
             <a:endParaRPr lang="en-US" sz="1750" dirty="0"/>
           </a:p>
@@ -1227,6 +1228,10 @@
           <a:bodyPr/>
           <a:lstStyle/>
           <a:p>
+            <a:pPr marL="285750" indent="-285750">
+              <a:buFont typeface="Arial" panose="020B0604020202020204" pitchFamily="34" charset="0"/>
+              <a:buChar char="•"/>
+            </a:pPr>
             <a:endParaRPr lang="en-IN"/>
           </a:p>
         </p:txBody>
@@ -1318,11 +1323,29 @@
           <a:bodyPr wrap="square" rtlCol="0" anchor="t"/>
           <a:lstStyle/>
           <a:p>
-            <a:pPr marL="0" indent="0" algn="l">
+            <a:pPr marL="285750" indent="-285750" algn="l">
               <a:lnSpc>
                 <a:spcPts val="2799"/>
               </a:lnSpc>
-              <a:buNone/>
+              <a:buFont typeface="Wingdings" panose="05000000000000000000" pitchFamily="2" charset="2"/>
+              <a:buChar char="v"/>
+            </a:pPr>
+            <a:endParaRPr lang="en-US" sz="1750" dirty="0">
+              <a:solidFill>
+                <a:srgbClr val="15213F"/>
+              </a:solidFill>
+              <a:latin typeface="Roboto" pitchFamily="34" charset="0"/>
+              <a:ea typeface="Roboto" pitchFamily="34" charset="-122"/>
+              <a:cs typeface="Roboto" pitchFamily="34" charset="-120"/>
+            </a:endParaRPr>
+          </a:p>
+          <a:p>
+            <a:pPr marL="285750" indent="-285750" algn="l">
+              <a:lnSpc>
+                <a:spcPts val="2799"/>
+              </a:lnSpc>
+              <a:buFont typeface="Wingdings" panose="05000000000000000000" pitchFamily="2" charset="2"/>
+              <a:buChar char="v"/>
             </a:pPr>
             <a:r>
               <a:rPr lang="en-US" sz="1750" dirty="0">
@@ -1333,7 +1356,67 @@
                 <a:ea typeface="Roboto" pitchFamily="34" charset="-122"/>
                 <a:cs typeface="Roboto" pitchFamily="34" charset="-120"/>
               </a:rPr>
-              <a:t>Experience the benefits of automation technologies such as Machine Learning, Data Science, and Image Processing. Powered by Flutter for efficient and user-friendly app development.</a:t>
+              <a:t>Automation technologies such as Machine Learning</a:t>
+            </a:r>
+          </a:p>
+          <a:p>
+            <a:pPr marL="285750" indent="-285750" algn="l">
+              <a:lnSpc>
+                <a:spcPts val="2799"/>
+              </a:lnSpc>
+              <a:buFont typeface="Wingdings" panose="05000000000000000000" pitchFamily="2" charset="2"/>
+              <a:buChar char="v"/>
+            </a:pPr>
+            <a:r>
+              <a:rPr lang="en-US" sz="1750" dirty="0">
+                <a:solidFill>
+                  <a:srgbClr val="15213F"/>
+                </a:solidFill>
+                <a:latin typeface="Roboto" pitchFamily="34" charset="0"/>
+                <a:ea typeface="Roboto" pitchFamily="34" charset="-122"/>
+                <a:cs typeface="Roboto" pitchFamily="34" charset="-120"/>
+              </a:rPr>
+              <a:t>Data Science </a:t>
+            </a:r>
+          </a:p>
+          <a:p>
+            <a:pPr marL="285750" indent="-285750" algn="l">
+              <a:lnSpc>
+                <a:spcPts val="2799"/>
+              </a:lnSpc>
+              <a:buFont typeface="Wingdings" panose="05000000000000000000" pitchFamily="2" charset="2"/>
+              <a:buChar char="v"/>
+            </a:pPr>
+            <a:r>
+              <a:rPr lang="en-US" sz="1750" dirty="0">
+                <a:solidFill>
+                  <a:srgbClr val="15213F"/>
+                </a:solidFill>
+                <a:latin typeface="Roboto" pitchFamily="34" charset="0"/>
+                <a:ea typeface="Roboto" pitchFamily="34" charset="-122"/>
+                <a:cs typeface="Roboto" pitchFamily="34" charset="-120"/>
+              </a:rPr>
+              <a:t>Image Processing</a:t>
+            </a:r>
+          </a:p>
+          <a:p>
+            <a:pPr marL="285750" indent="-285750" algn="l">
+              <a:lnSpc>
+                <a:spcPts val="2799"/>
+              </a:lnSpc>
+              <a:buFont typeface="Wingdings" panose="05000000000000000000" pitchFamily="2" charset="2"/>
+              <a:buChar char="v"/>
+            </a:pPr>
+            <a:r>
+              <a:rPr lang="en-US" sz="1750" dirty="0">
+                <a:solidFill>
+                  <a:srgbClr val="15213F"/>
+                </a:solidFill>
+                <a:latin typeface="Roboto" pitchFamily="34" charset="0"/>
+                <a:ea typeface="Roboto" pitchFamily="34" charset="-122"/>
+                <a:cs typeface="Roboto" pitchFamily="34" charset="-120"/>
+              </a:rPr>
+              <a:t>Powered by Flutter for efficient and user-friendly app development.</a:t>
             </a:r>
             <a:endParaRPr lang="en-US" sz="1750" dirty="0"/>
           </a:p>
@@ -1426,11 +1509,29 @@
           <a:bodyPr wrap="square" rtlCol="0" anchor="t"/>
           <a:lstStyle/>
           <a:p>
-            <a:pPr marL="0" indent="0" algn="l">
+            <a:pPr marL="285750" indent="-285750" algn="l">
               <a:lnSpc>
                 <a:spcPts val="2799"/>
               </a:lnSpc>
-              <a:buNone/>
+              <a:buFont typeface="Wingdings" panose="05000000000000000000" pitchFamily="2" charset="2"/>
+              <a:buChar char="v"/>
+            </a:pPr>
+            <a:endParaRPr lang="en-US" sz="1750" dirty="0">
+              <a:solidFill>
+                <a:srgbClr val="15213F"/>
+              </a:solidFill>
+              <a:latin typeface="Roboto" pitchFamily="34" charset="0"/>
+              <a:ea typeface="Roboto" pitchFamily="34" charset="-122"/>
+              <a:cs typeface="Roboto" pitchFamily="34" charset="-120"/>
+            </a:endParaRPr>
+          </a:p>
+          <a:p>
+            <a:pPr marL="285750" indent="-285750" algn="l">
+              <a:lnSpc>
+                <a:spcPts val="2799"/>
+              </a:lnSpc>
+              <a:buFont typeface="Wingdings" panose="05000000000000000000" pitchFamily="2" charset="2"/>
+              <a:buChar char="v"/>
             </a:pPr>
             <a:r>
               <a:rPr lang="en-US" sz="1750" dirty="0">
@@ -1441,7 +1542,66 @@
                 <a:ea typeface="Roboto" pitchFamily="34" charset="-122"/>
                 <a:cs typeface="Roboto" pitchFamily="34" charset="-120"/>
               </a:rPr>
-              <a:t>From waste material management to streetlight maintenance and sewer line blockages, the application addresses common issues plaguing urban and rural areas. Say goodbye to long delays.</a:t>
+              <a:t>Waste material management </a:t>
+            </a:r>
+          </a:p>
+          <a:p>
+            <a:pPr marL="285750" indent="-285750" algn="l">
+              <a:lnSpc>
+                <a:spcPts val="2799"/>
+              </a:lnSpc>
+              <a:buFont typeface="Wingdings" panose="05000000000000000000" pitchFamily="2" charset="2"/>
+              <a:buChar char="v"/>
+            </a:pPr>
+            <a:r>
+              <a:rPr lang="en-US" sz="1750" dirty="0">
+                <a:solidFill>
+                  <a:srgbClr val="15213F"/>
+                </a:solidFill>
+                <a:latin typeface="Roboto" pitchFamily="34" charset="0"/>
+                <a:ea typeface="Roboto" pitchFamily="34" charset="-122"/>
+                <a:cs typeface="Roboto" pitchFamily="34" charset="-120"/>
+              </a:rPr>
+              <a:t>Streetlight maintenance </a:t>
+            </a:r>
+          </a:p>
+          <a:p>
+            <a:pPr marL="285750" indent="-285750" algn="l">
+              <a:lnSpc>
+                <a:spcPts val="2799"/>
+              </a:lnSpc>
+              <a:buFont typeface="Wingdings" panose="05000000000000000000" pitchFamily="2" charset="2"/>
+              <a:buChar char="v"/>
+            </a:pPr>
+            <a:r>
+              <a:rPr lang="en-US" sz="1750" dirty="0">
+                <a:solidFill>
+                  <a:srgbClr val="15213F"/>
+                </a:solidFill>
+                <a:latin typeface="Roboto" pitchFamily="34" charset="0"/>
+                <a:ea typeface="Roboto" pitchFamily="34" charset="-122"/>
+                <a:cs typeface="Roboto" pitchFamily="34" charset="-120"/>
+              </a:rPr>
+              <a:t>Sewer line blockages.</a:t>
+            </a:r>
+          </a:p>
+          <a:p>
+            <a:pPr marL="285750" indent="-285750" algn="l">
+              <a:lnSpc>
+                <a:spcPts val="2799"/>
+              </a:lnSpc>
+              <a:buFont typeface="Wingdings" panose="05000000000000000000" pitchFamily="2" charset="2"/>
+              <a:buChar char="v"/>
+            </a:pPr>
+            <a:r>
+              <a:rPr lang="en-US" sz="1750" dirty="0">
+                <a:solidFill>
+                  <a:srgbClr val="15213F"/>
+                </a:solidFill>
+                <a:latin typeface="Roboto" pitchFamily="34" charset="0"/>
+                <a:ea typeface="Roboto" pitchFamily="34" charset="-122"/>
+              </a:rPr>
+              <a:t>Road Potholes</a:t>
             </a:r>
             <a:endParaRPr lang="en-US" sz="1750" dirty="0"/>
           </a:p>
@@ -1534,11 +1694,12 @@
           <a:bodyPr wrap="square" rtlCol="0" anchor="t"/>
           <a:lstStyle/>
           <a:p>
-            <a:pPr marL="0" indent="0" algn="l">
+            <a:pPr marL="285750" indent="-285750" algn="l">
               <a:lnSpc>
                 <a:spcPts val="2799"/>
               </a:lnSpc>
-              <a:buNone/>
+              <a:buFont typeface="Wingdings" panose="05000000000000000000" pitchFamily="2" charset="2"/>
+              <a:buChar char="v"/>
             </a:pPr>
             <a:r>
               <a:rPr lang="en-US" sz="1750" dirty="0">
@@ -1549,7 +1710,47 @@
                 <a:ea typeface="Roboto" pitchFamily="34" charset="-122"/>
                 <a:cs typeface="Roboto" pitchFamily="34" charset="-120"/>
               </a:rPr>
-              <a:t>Witness a significant improvement in complaint reporting and response time, enhanced transparency, and greater accountability. Transforming urban and rural regions one complaint at a time.</a:t>
+              <a:t>Improvement in complaint reporting and response time</a:t>
+            </a:r>
+          </a:p>
+          <a:p>
+            <a:pPr marL="285750" indent="-285750" algn="l">
+              <a:lnSpc>
+                <a:spcPts val="2799"/>
+              </a:lnSpc>
+              <a:buFont typeface="Wingdings" panose="05000000000000000000" pitchFamily="2" charset="2"/>
+              <a:buChar char="v"/>
+            </a:pPr>
+            <a:r>
+              <a:rPr lang="en-US" sz="1750" dirty="0">
+                <a:solidFill>
+                  <a:srgbClr val="15213F"/>
+                </a:solidFill>
+                <a:latin typeface="Roboto" pitchFamily="34" charset="0"/>
+                <a:ea typeface="Roboto" pitchFamily="34" charset="-122"/>
+                <a:cs typeface="Roboto" pitchFamily="34" charset="-120"/>
+              </a:rPr>
+              <a:t> Enhanced transparency</a:t>
+            </a:r>
+          </a:p>
+          <a:p>
+            <a:pPr marL="285750" indent="-285750" algn="l">
+              <a:lnSpc>
+                <a:spcPts val="2799"/>
+              </a:lnSpc>
+              <a:buFont typeface="Wingdings" panose="05000000000000000000" pitchFamily="2" charset="2"/>
+              <a:buChar char="v"/>
+            </a:pPr>
+            <a:r>
+              <a:rPr lang="en-US" sz="1750" dirty="0">
+                <a:solidFill>
+                  <a:srgbClr val="15213F"/>
+                </a:solidFill>
+                <a:latin typeface="Roboto" pitchFamily="34" charset="0"/>
+                <a:ea typeface="Roboto" pitchFamily="34" charset="-122"/>
+                <a:cs typeface="Roboto" pitchFamily="34" charset="-120"/>
+              </a:rPr>
+              <a:t>greater accountability Transforming urban and rural regions one complaint at a time.</a:t>
             </a:r>
             <a:endParaRPr lang="en-US" sz="1750" dirty="0"/>
           </a:p>
@@ -1588,7 +1789,7 @@
         </p:nvSpPr>
         <p:spPr>
           <a:xfrm>
-            <a:off x="0" y="0"/>
+            <a:off x="0" y="333077"/>
             <a:ext cx="14630400" cy="8229600"/>
           </a:xfrm>
           <a:prstGeom prst="rect">
@@ -1615,7 +1816,7 @@
         </p:nvSpPr>
         <p:spPr>
           <a:xfrm>
-            <a:off x="0" y="0"/>
+            <a:off x="0" y="-357"/>
             <a:ext cx="14630400" cy="8229957"/>
           </a:xfrm>
           <a:prstGeom prst="rect">
@@ -1642,7 +1843,7 @@
         </p:nvSpPr>
         <p:spPr>
           <a:xfrm>
-            <a:off x="2354937" y="574238"/>
+            <a:off x="2354937" y="1232089"/>
             <a:ext cx="4855845" cy="2354342"/>
           </a:xfrm>
           <a:prstGeom prst="roundRect">
@@ -1671,7 +1872,7 @@
         </p:nvSpPr>
         <p:spPr>
           <a:xfrm>
-            <a:off x="2563773" y="783074"/>
+            <a:off x="2563773" y="1201969"/>
             <a:ext cx="2811780" cy="391478"/>
           </a:xfrm>
           <a:prstGeom prst="rect">
@@ -1713,7 +1914,7 @@
         </p:nvSpPr>
         <p:spPr>
           <a:xfrm>
-            <a:off x="2563773" y="1383387"/>
+            <a:off x="2563773" y="1579631"/>
             <a:ext cx="4438174" cy="1336358"/>
           </a:xfrm>
           <a:prstGeom prst="rect">
@@ -1755,7 +1956,7 @@
         </p:nvSpPr>
         <p:spPr>
           <a:xfrm>
-            <a:off x="7419618" y="574238"/>
+            <a:off x="7419618" y="1239783"/>
             <a:ext cx="4855845" cy="2354342"/>
           </a:xfrm>
           <a:prstGeom prst="roundRect">
@@ -1784,7 +1985,7 @@
         </p:nvSpPr>
         <p:spPr>
           <a:xfrm>
-            <a:off x="7628453" y="783074"/>
+            <a:off x="7628453" y="1198772"/>
             <a:ext cx="2712720" cy="391478"/>
           </a:xfrm>
           <a:prstGeom prst="rect">
@@ -1826,7 +2027,7 @@
         </p:nvSpPr>
         <p:spPr>
           <a:xfrm>
-            <a:off x="7628453" y="1383387"/>
+            <a:off x="7628453" y="1574516"/>
             <a:ext cx="4438174" cy="1002268"/>
           </a:xfrm>
           <a:prstGeom prst="rect">
@@ -1868,7 +2069,7 @@
         </p:nvSpPr>
         <p:spPr>
           <a:xfrm>
-            <a:off x="2354937" y="3137416"/>
+            <a:off x="2354937" y="3685528"/>
             <a:ext cx="4855845" cy="2020253"/>
           </a:xfrm>
           <a:prstGeom prst="roundRect">
@@ -1897,7 +2098,7 @@
         </p:nvSpPr>
         <p:spPr>
           <a:xfrm>
-            <a:off x="2563773" y="3346252"/>
+            <a:off x="2563773" y="3610267"/>
             <a:ext cx="2506266" cy="391478"/>
           </a:xfrm>
           <a:prstGeom prst="rect">
@@ -1981,7 +2182,7 @@
         </p:nvSpPr>
         <p:spPr>
           <a:xfrm>
-            <a:off x="7419618" y="3137416"/>
+            <a:off x="7419618" y="3685527"/>
             <a:ext cx="4855845" cy="2020253"/>
           </a:xfrm>
           <a:prstGeom prst="roundRect">
@@ -2010,7 +2211,7 @@
         </p:nvSpPr>
         <p:spPr>
           <a:xfrm>
-            <a:off x="7628453" y="3346252"/>
+            <a:off x="7628453" y="3635136"/>
             <a:ext cx="2636520" cy="391478"/>
           </a:xfrm>
           <a:prstGeom prst="rect">
@@ -2094,8 +2295,8 @@
         </p:nvSpPr>
         <p:spPr>
           <a:xfrm>
-            <a:off x="2354937" y="5366504"/>
-            <a:ext cx="9920526" cy="2289215"/>
+            <a:off x="2354937" y="5846341"/>
+            <a:ext cx="9920526" cy="1705528"/>
           </a:xfrm>
           <a:prstGeom prst="roundRect">
             <a:avLst>
@@ -2123,7 +2324,7 @@
         </p:nvSpPr>
         <p:spPr>
           <a:xfrm>
-            <a:off x="2563773" y="5575340"/>
+            <a:off x="2596137" y="5803643"/>
             <a:ext cx="2088475" cy="326350"/>
           </a:xfrm>
           <a:prstGeom prst="rect">
@@ -2193,9 +2394,59 @@
                 <a:ea typeface="Roboto" pitchFamily="34" charset="-122"/>
                 <a:cs typeface="Roboto" pitchFamily="34" charset="-120"/>
               </a:rPr>
-              <a:t>Computer vision is a multidisciplinary field of artificial intelligence (AI) and computer science that focuses on enabling computers to interpret and understand visual information from the world, much like the human visual system. It involves the development of algorithms and techniques to analyze and process images and videos to extract meaningful insights and make decisions.</a:t>
+              <a:t>Computer vision is a multidisciplinary field of artificial intelligence (AI) and computer science that focuses on enabling computers to interpret and understand visual information from the world, much like the human visual system. </a:t>
             </a:r>
             <a:endParaRPr lang="en-US" sz="1645" dirty="0"/>
+          </a:p>
+        </p:txBody>
+      </p:sp>
+      <p:sp>
+        <p:nvSpPr>
+          <p:cNvPr id="19" name="Shape 14">
+            <a:extLst>
+              <a:ext uri="{FF2B5EF4-FFF2-40B4-BE49-F238E27FC236}">
+                <a16:creationId xmlns:a16="http://schemas.microsoft.com/office/drawing/2014/main" id="{60DACB82-F9D8-DBDF-CBCD-DFD3B4F16A6B}"/>
+              </a:ext>
+            </a:extLst>
+          </p:cNvPr>
+          <p:cNvSpPr/>
+          <p:nvPr/>
+        </p:nvSpPr>
+        <p:spPr>
+          <a:xfrm>
+            <a:off x="745465" y="178616"/>
+            <a:ext cx="13145845" cy="912914"/>
+          </a:xfrm>
+          <a:prstGeom prst="roundRect">
+            <a:avLst>
+              <a:gd name="adj" fmla="val 5474"/>
+            </a:avLst>
+          </a:prstGeom>
+          <a:solidFill>
+            <a:srgbClr val="E7EDF9"/>
+          </a:solidFill>
+          <a:ln/>
+        </p:spPr>
+        <p:txBody>
+          <a:bodyPr/>
+          <a:lstStyle/>
+          <a:p>
+            <a:pPr algn="ctr"/>
+            <a:r>
+              <a:rPr lang="en-US" sz="4400" dirty="0">
+                <a:solidFill>
+                  <a:srgbClr val="476FD6"/>
+                </a:solidFill>
+                <a:latin typeface="Roboto Slab" pitchFamily="34" charset="0"/>
+                <a:ea typeface="Roboto Slab" pitchFamily="34" charset="-122"/>
+                <a:cs typeface="Roboto Slab" pitchFamily="34" charset="-120"/>
+              </a:rPr>
+              <a:t>Technologies we are using </a:t>
+            </a:r>
+            <a:endParaRPr lang="en-US" sz="4400" dirty="0"/>
+          </a:p>
+          <a:p>
+            <a:endParaRPr lang="en-IN" dirty="0"/>
           </a:p>
         </p:txBody>
       </p:sp>
@@ -2286,7 +2537,7 @@
         </p:nvSpPr>
         <p:spPr>
           <a:xfrm>
-            <a:off x="2037993" y="1358622"/>
+            <a:off x="2037993" y="565905"/>
             <a:ext cx="4594860" cy="694373"/>
           </a:xfrm>
           <a:prstGeom prst="rect">
@@ -2328,7 +2579,7 @@
         </p:nvSpPr>
         <p:spPr>
           <a:xfrm>
-            <a:off x="2037993" y="2386251"/>
+            <a:off x="2037993" y="1605200"/>
             <a:ext cx="10554414" cy="1066205"/>
           </a:xfrm>
           <a:prstGeom prst="rect">
@@ -2370,7 +2621,7 @@
         </p:nvSpPr>
         <p:spPr>
           <a:xfrm>
-            <a:off x="2037993" y="3702368"/>
+            <a:off x="2037993" y="3117473"/>
             <a:ext cx="10554414" cy="355402"/>
           </a:xfrm>
           <a:prstGeom prst="rect">
@@ -2899,6 +3150,115 @@
 </file>
 
 <file path=ppt/slides/slide5.xml><?xml version="1.0" encoding="utf-8"?>
+<p:sld xmlns:a="http://schemas.openxmlformats.org/drawingml/2006/main" xmlns:r="http://schemas.openxmlformats.org/officeDocument/2006/relationships" xmlns:p="http://schemas.openxmlformats.org/presentationml/2006/main">
+  <p:cSld>
+    <p:spTree>
+      <p:nvGrpSpPr>
+        <p:cNvPr id="1" name=""/>
+        <p:cNvGrpSpPr/>
+        <p:nvPr/>
+      </p:nvGrpSpPr>
+      <p:grpSpPr>
+        <a:xfrm>
+          <a:off x="0" y="0"/>
+          <a:ext cx="0" cy="0"/>
+          <a:chOff x="0" y="0"/>
+          <a:chExt cx="0" cy="0"/>
+        </a:xfrm>
+      </p:grpSpPr>
+      <p:pic>
+        <p:nvPicPr>
+          <p:cNvPr id="3" name="Picture 2">
+            <a:extLst>
+              <a:ext uri="{FF2B5EF4-FFF2-40B4-BE49-F238E27FC236}">
+                <a16:creationId xmlns:a16="http://schemas.microsoft.com/office/drawing/2014/main" id="{8B1014CC-7955-2AD6-8CBF-58DCA32D57B8}"/>
+              </a:ext>
+            </a:extLst>
+          </p:cNvPr>
+          <p:cNvPicPr>
+            <a:picLocks noChangeAspect="1"/>
+          </p:cNvPicPr>
+          <p:nvPr/>
+        </p:nvPicPr>
+        <p:blipFill>
+          <a:blip r:embed="rId2"/>
+          <a:stretch>
+            <a:fillRect/>
+          </a:stretch>
+        </p:blipFill>
+        <p:spPr>
+          <a:xfrm>
+            <a:off x="1828800" y="940281"/>
+            <a:ext cx="10273553" cy="7289319"/>
+          </a:xfrm>
+          <a:prstGeom prst="rect">
+            <a:avLst/>
+          </a:prstGeom>
+        </p:spPr>
+      </p:pic>
+      <p:sp>
+        <p:nvSpPr>
+          <p:cNvPr id="5" name="TextBox 4">
+            <a:extLst>
+              <a:ext uri="{FF2B5EF4-FFF2-40B4-BE49-F238E27FC236}">
+                <a16:creationId xmlns:a16="http://schemas.microsoft.com/office/drawing/2014/main" id="{F85CDB7F-49F1-2701-2493-E9E64EC7F6B6}"/>
+              </a:ext>
+            </a:extLst>
+          </p:cNvPr>
+          <p:cNvSpPr txBox="1"/>
+          <p:nvPr/>
+        </p:nvSpPr>
+        <p:spPr>
+          <a:xfrm>
+            <a:off x="3200176" y="172122"/>
+            <a:ext cx="7315200" cy="768159"/>
+          </a:xfrm>
+          <a:prstGeom prst="rect">
+            <a:avLst/>
+          </a:prstGeom>
+          <a:noFill/>
+        </p:spPr>
+        <p:txBody>
+          <a:bodyPr wrap="square">
+            <a:spAutoFit/>
+          </a:bodyPr>
+          <a:lstStyle/>
+          <a:p>
+            <a:pPr marL="0" indent="0" algn="ctr">
+              <a:lnSpc>
+                <a:spcPts val="5468"/>
+              </a:lnSpc>
+              <a:buNone/>
+            </a:pPr>
+            <a:r>
+              <a:rPr lang="en-US" sz="4400" dirty="0">
+                <a:solidFill>
+                  <a:srgbClr val="476FD6"/>
+                </a:solidFill>
+                <a:latin typeface="Roboto Slab" pitchFamily="34" charset="0"/>
+                <a:ea typeface="Roboto Slab" pitchFamily="34" charset="-122"/>
+                <a:cs typeface="Roboto Slab" pitchFamily="34" charset="-120"/>
+              </a:rPr>
+              <a:t>Sequence Diagram </a:t>
+            </a:r>
+            <a:endParaRPr lang="en-US" sz="4400" dirty="0"/>
+          </a:p>
+        </p:txBody>
+      </p:sp>
+    </p:spTree>
+    <p:extLst>
+      <p:ext uri="{BB962C8B-B14F-4D97-AF65-F5344CB8AC3E}">
+        <p14:creationId xmlns:p14="http://schemas.microsoft.com/office/powerpoint/2010/main" val="3934608737"/>
+      </p:ext>
+    </p:extLst>
+  </p:cSld>
+  <p:clrMapOvr>
+    <a:masterClrMapping/>
+  </p:clrMapOvr>
+</p:sld>
+</file>
+
+<file path=ppt/slides/slide6.xml><?xml version="1.0" encoding="utf-8"?>
 <p:sld xmlns:a="http://schemas.openxmlformats.org/drawingml/2006/main" xmlns:r="http://schemas.openxmlformats.org/officeDocument/2006/relationships" xmlns:p="http://schemas.openxmlformats.org/presentationml/2006/main">
   <p:cSld name="Slide 5">
     <p:spTree>
@@ -2977,7 +3337,7 @@
         </p:nvSpPr>
         <p:spPr>
           <a:xfrm>
-            <a:off x="2037993" y="2065258"/>
+            <a:off x="2037993" y="1467564"/>
             <a:ext cx="4686300" cy="694373"/>
           </a:xfrm>
           <a:prstGeom prst="rect">
@@ -3019,7 +3379,7 @@
         </p:nvSpPr>
         <p:spPr>
           <a:xfrm>
-            <a:off x="2037993" y="3092887"/>
+            <a:off x="2037993" y="2711964"/>
             <a:ext cx="10554414" cy="710803"/>
           </a:xfrm>
           <a:prstGeom prst="rect">
